--- a/Software Engineering Presentation V1.pptx
+++ b/Software Engineering Presentation V1.pptx
@@ -8,6 +8,7 @@
     <p:sldId id="256" r:id="rId2"/>
     <p:sldId id="257" r:id="rId3"/>
     <p:sldId id="258" r:id="rId4"/>
+    <p:sldId id="259" r:id="rId5"/>
   </p:sldIdLst>
   <p:sldSz cx="12192000" cy="6858000"/>
   <p:notesSz cx="6858000" cy="9144000"/>
@@ -245,7 +246,7 @@
           <a:p>
             <a:fld id="{BEECB61C-5B91-4F22-B7F1-1E51D3C08BF0}" type="datetimeFigureOut">
               <a:rPr lang="en-SG" smtClean="0"/>
-              <a:t>19/12/2016</a:t>
+              <a:t>19/12/16</a:t>
             </a:fld>
             <a:endParaRPr lang="en-SG"/>
           </a:p>
@@ -415,7 +416,7 @@
           <a:p>
             <a:fld id="{BEECB61C-5B91-4F22-B7F1-1E51D3C08BF0}" type="datetimeFigureOut">
               <a:rPr lang="en-SG" smtClean="0"/>
-              <a:t>19/12/2016</a:t>
+              <a:t>19/12/16</a:t>
             </a:fld>
             <a:endParaRPr lang="en-SG"/>
           </a:p>
@@ -595,7 +596,7 @@
           <a:p>
             <a:fld id="{BEECB61C-5B91-4F22-B7F1-1E51D3C08BF0}" type="datetimeFigureOut">
               <a:rPr lang="en-SG" smtClean="0"/>
-              <a:t>19/12/2016</a:t>
+              <a:t>19/12/16</a:t>
             </a:fld>
             <a:endParaRPr lang="en-SG"/>
           </a:p>
@@ -765,7 +766,7 @@
           <a:p>
             <a:fld id="{BEECB61C-5B91-4F22-B7F1-1E51D3C08BF0}" type="datetimeFigureOut">
               <a:rPr lang="en-SG" smtClean="0"/>
-              <a:t>19/12/2016</a:t>
+              <a:t>19/12/16</a:t>
             </a:fld>
             <a:endParaRPr lang="en-SG"/>
           </a:p>
@@ -1011,7 +1012,7 @@
           <a:p>
             <a:fld id="{BEECB61C-5B91-4F22-B7F1-1E51D3C08BF0}" type="datetimeFigureOut">
               <a:rPr lang="en-SG" smtClean="0"/>
-              <a:t>19/12/2016</a:t>
+              <a:t>19/12/16</a:t>
             </a:fld>
             <a:endParaRPr lang="en-SG"/>
           </a:p>
@@ -1243,7 +1244,7 @@
           <a:p>
             <a:fld id="{BEECB61C-5B91-4F22-B7F1-1E51D3C08BF0}" type="datetimeFigureOut">
               <a:rPr lang="en-SG" smtClean="0"/>
-              <a:t>19/12/2016</a:t>
+              <a:t>19/12/16</a:t>
             </a:fld>
             <a:endParaRPr lang="en-SG"/>
           </a:p>
@@ -1610,7 +1611,7 @@
           <a:p>
             <a:fld id="{BEECB61C-5B91-4F22-B7F1-1E51D3C08BF0}" type="datetimeFigureOut">
               <a:rPr lang="en-SG" smtClean="0"/>
-              <a:t>19/12/2016</a:t>
+              <a:t>19/12/16</a:t>
             </a:fld>
             <a:endParaRPr lang="en-SG"/>
           </a:p>
@@ -1728,7 +1729,7 @@
           <a:p>
             <a:fld id="{BEECB61C-5B91-4F22-B7F1-1E51D3C08BF0}" type="datetimeFigureOut">
               <a:rPr lang="en-SG" smtClean="0"/>
-              <a:t>19/12/2016</a:t>
+              <a:t>19/12/16</a:t>
             </a:fld>
             <a:endParaRPr lang="en-SG"/>
           </a:p>
@@ -1823,7 +1824,7 @@
           <a:p>
             <a:fld id="{BEECB61C-5B91-4F22-B7F1-1E51D3C08BF0}" type="datetimeFigureOut">
               <a:rPr lang="en-SG" smtClean="0"/>
-              <a:t>19/12/2016</a:t>
+              <a:t>19/12/16</a:t>
             </a:fld>
             <a:endParaRPr lang="en-SG"/>
           </a:p>
@@ -2100,7 +2101,7 @@
           <a:p>
             <a:fld id="{BEECB61C-5B91-4F22-B7F1-1E51D3C08BF0}" type="datetimeFigureOut">
               <a:rPr lang="en-SG" smtClean="0"/>
-              <a:t>19/12/2016</a:t>
+              <a:t>19/12/16</a:t>
             </a:fld>
             <a:endParaRPr lang="en-SG"/>
           </a:p>
@@ -2353,7 +2354,7 @@
           <a:p>
             <a:fld id="{BEECB61C-5B91-4F22-B7F1-1E51D3C08BF0}" type="datetimeFigureOut">
               <a:rPr lang="en-SG" smtClean="0"/>
-              <a:t>19/12/2016</a:t>
+              <a:t>19/12/16</a:t>
             </a:fld>
             <a:endParaRPr lang="en-SG"/>
           </a:p>
@@ -2566,7 +2567,7 @@
           <a:p>
             <a:fld id="{BEECB61C-5B91-4F22-B7F1-1E51D3C08BF0}" type="datetimeFigureOut">
               <a:rPr lang="en-SG" smtClean="0"/>
-              <a:t>19/12/2016</a:t>
+              <a:t>19/12/16</a:t>
             </a:fld>
             <a:endParaRPr lang="en-SG"/>
           </a:p>
@@ -3215,6 +3216,78 @@
 </p:sld>
 </file>
 
+<file path=ppt/slides/slide4.xml><?xml version="1.0" encoding="utf-8"?>
+<p:sld xmlns:a="http://schemas.openxmlformats.org/drawingml/2006/main" xmlns:r="http://schemas.openxmlformats.org/officeDocument/2006/relationships" xmlns:p="http://schemas.openxmlformats.org/presentationml/2006/main">
+  <p:cSld>
+    <p:spTree>
+      <p:nvGrpSpPr>
+        <p:cNvPr id="1" name=""/>
+        <p:cNvGrpSpPr/>
+        <p:nvPr/>
+      </p:nvGrpSpPr>
+      <p:grpSpPr>
+        <a:xfrm>
+          <a:off x="0" y="0"/>
+          <a:ext cx="0" cy="0"/>
+          <a:chOff x="0" y="0"/>
+          <a:chExt cx="0" cy="0"/>
+        </a:xfrm>
+      </p:grpSpPr>
+      <p:sp>
+        <p:nvSpPr>
+          <p:cNvPr id="2" name="Title 1"/>
+          <p:cNvSpPr>
+            <a:spLocks noGrp="1"/>
+          </p:cNvSpPr>
+          <p:nvPr>
+            <p:ph type="title"/>
+          </p:nvPr>
+        </p:nvSpPr>
+        <p:spPr/>
+        <p:txBody>
+          <a:bodyPr/>
+          <a:lstStyle/>
+          <a:p>
+            <a:r>
+              <a:rPr lang="en-US" smtClean="0"/>
+              <a:t>This is a change!</a:t>
+            </a:r>
+            <a:endParaRPr lang="en-US"/>
+          </a:p>
+        </p:txBody>
+      </p:sp>
+      <p:sp>
+        <p:nvSpPr>
+          <p:cNvPr id="3" name="Content Placeholder 2"/>
+          <p:cNvSpPr>
+            <a:spLocks noGrp="1"/>
+          </p:cNvSpPr>
+          <p:nvPr>
+            <p:ph idx="1"/>
+          </p:nvPr>
+        </p:nvSpPr>
+        <p:spPr/>
+        <p:txBody>
+          <a:bodyPr/>
+          <a:lstStyle/>
+          <a:p>
+            <a:endParaRPr lang="en-US"/>
+          </a:p>
+        </p:txBody>
+      </p:sp>
+    </p:spTree>
+    <p:extLst>
+      <p:ext uri="{BB962C8B-B14F-4D97-AF65-F5344CB8AC3E}">
+        <p14:creationId xmlns:p14="http://schemas.microsoft.com/office/powerpoint/2010/main" val="579414353"/>
+      </p:ext>
+    </p:extLst>
+  </p:cSld>
+  <p:clrMapOvr>
+    <a:masterClrMapping/>
+  </p:clrMapOvr>
+</p:sld>
+</file>
+
 <file path=ppt/theme/theme1.xml><?xml version="1.0" encoding="utf-8"?>
 <a:theme xmlns:a="http://schemas.openxmlformats.org/drawingml/2006/main" name="Office Theme">
   <a:themeElements>

--- a/Software Engineering Presentation V1.pptx
+++ b/Software Engineering Presentation V1.pptx
@@ -246,7 +246,7 @@
           <a:p>
             <a:fld id="{BEECB61C-5B91-4F22-B7F1-1E51D3C08BF0}" type="datetimeFigureOut">
               <a:rPr lang="en-SG" smtClean="0"/>
-              <a:t>19/12/16</a:t>
+              <a:t>19/12/2016</a:t>
             </a:fld>
             <a:endParaRPr lang="en-SG"/>
           </a:p>
@@ -416,7 +416,7 @@
           <a:p>
             <a:fld id="{BEECB61C-5B91-4F22-B7F1-1E51D3C08BF0}" type="datetimeFigureOut">
               <a:rPr lang="en-SG" smtClean="0"/>
-              <a:t>19/12/16</a:t>
+              <a:t>19/12/2016</a:t>
             </a:fld>
             <a:endParaRPr lang="en-SG"/>
           </a:p>
@@ -596,7 +596,7 @@
           <a:p>
             <a:fld id="{BEECB61C-5B91-4F22-B7F1-1E51D3C08BF0}" type="datetimeFigureOut">
               <a:rPr lang="en-SG" smtClean="0"/>
-              <a:t>19/12/16</a:t>
+              <a:t>19/12/2016</a:t>
             </a:fld>
             <a:endParaRPr lang="en-SG"/>
           </a:p>
@@ -766,7 +766,7 @@
           <a:p>
             <a:fld id="{BEECB61C-5B91-4F22-B7F1-1E51D3C08BF0}" type="datetimeFigureOut">
               <a:rPr lang="en-SG" smtClean="0"/>
-              <a:t>19/12/16</a:t>
+              <a:t>19/12/2016</a:t>
             </a:fld>
             <a:endParaRPr lang="en-SG"/>
           </a:p>
@@ -1012,7 +1012,7 @@
           <a:p>
             <a:fld id="{BEECB61C-5B91-4F22-B7F1-1E51D3C08BF0}" type="datetimeFigureOut">
               <a:rPr lang="en-SG" smtClean="0"/>
-              <a:t>19/12/16</a:t>
+              <a:t>19/12/2016</a:t>
             </a:fld>
             <a:endParaRPr lang="en-SG"/>
           </a:p>
@@ -1244,7 +1244,7 @@
           <a:p>
             <a:fld id="{BEECB61C-5B91-4F22-B7F1-1E51D3C08BF0}" type="datetimeFigureOut">
               <a:rPr lang="en-SG" smtClean="0"/>
-              <a:t>19/12/16</a:t>
+              <a:t>19/12/2016</a:t>
             </a:fld>
             <a:endParaRPr lang="en-SG"/>
           </a:p>
@@ -1611,7 +1611,7 @@
           <a:p>
             <a:fld id="{BEECB61C-5B91-4F22-B7F1-1E51D3C08BF0}" type="datetimeFigureOut">
               <a:rPr lang="en-SG" smtClean="0"/>
-              <a:t>19/12/16</a:t>
+              <a:t>19/12/2016</a:t>
             </a:fld>
             <a:endParaRPr lang="en-SG"/>
           </a:p>
@@ -1729,7 +1729,7 @@
           <a:p>
             <a:fld id="{BEECB61C-5B91-4F22-B7F1-1E51D3C08BF0}" type="datetimeFigureOut">
               <a:rPr lang="en-SG" smtClean="0"/>
-              <a:t>19/12/16</a:t>
+              <a:t>19/12/2016</a:t>
             </a:fld>
             <a:endParaRPr lang="en-SG"/>
           </a:p>
@@ -1824,7 +1824,7 @@
           <a:p>
             <a:fld id="{BEECB61C-5B91-4F22-B7F1-1E51D3C08BF0}" type="datetimeFigureOut">
               <a:rPr lang="en-SG" smtClean="0"/>
-              <a:t>19/12/16</a:t>
+              <a:t>19/12/2016</a:t>
             </a:fld>
             <a:endParaRPr lang="en-SG"/>
           </a:p>
@@ -2101,7 +2101,7 @@
           <a:p>
             <a:fld id="{BEECB61C-5B91-4F22-B7F1-1E51D3C08BF0}" type="datetimeFigureOut">
               <a:rPr lang="en-SG" smtClean="0"/>
-              <a:t>19/12/16</a:t>
+              <a:t>19/12/2016</a:t>
             </a:fld>
             <a:endParaRPr lang="en-SG"/>
           </a:p>
@@ -2354,7 +2354,7 @@
           <a:p>
             <a:fld id="{BEECB61C-5B91-4F22-B7F1-1E51D3C08BF0}" type="datetimeFigureOut">
               <a:rPr lang="en-SG" smtClean="0"/>
-              <a:t>19/12/16</a:t>
+              <a:t>19/12/2016</a:t>
             </a:fld>
             <a:endParaRPr lang="en-SG"/>
           </a:p>
@@ -2567,7 +2567,7 @@
           <a:p>
             <a:fld id="{BEECB61C-5B91-4F22-B7F1-1E51D3C08BF0}" type="datetimeFigureOut">
               <a:rPr lang="en-SG" smtClean="0"/>
-              <a:t>19/12/16</a:t>
+              <a:t>19/12/2016</a:t>
             </a:fld>
             <a:endParaRPr lang="en-SG"/>
           </a:p>
@@ -3008,7 +3008,9 @@
         </p:nvSpPr>
         <p:spPr/>
         <p:txBody>
-          <a:bodyPr/>
+          <a:bodyPr>
+            <a:normAutofit lnSpcReduction="10000"/>
+          </a:bodyPr>
           <a:lstStyle/>
           <a:p>
             <a:pPr algn="l"/>
@@ -3024,7 +3026,7 @@
             </a:pPr>
             <a:r>
               <a:rPr lang="en-SG" dirty="0"/>
-              <a:t>Collected data for Tesla, Microsoft, Apple</a:t>
+              <a:t>Collecting data for Tesla, Microsoft, Apple</a:t>
             </a:r>
           </a:p>
           <a:p>
@@ -3034,11 +3036,21 @@
             </a:pPr>
             <a:r>
               <a:rPr lang="en-SG" dirty="0"/>
-              <a:t>Set up GitHub account </a:t>
+              <a:t>Set up GitHub account and project</a:t>
+            </a:r>
+          </a:p>
+          <a:p>
+            <a:pPr marL="342900" indent="-342900" algn="l">
+              <a:buFont typeface="Arial" panose="020B0604020202020204" pitchFamily="34" charset="0"/>
+              <a:buChar char="•"/>
+            </a:pPr>
+            <a:r>
+              <a:rPr lang="en-SG" dirty="0"/>
+              <a:t>Set up a timeline </a:t>
             </a:r>
             <a:r>
               <a:rPr lang="en-SG"/>
-              <a:t>and project.	</a:t>
+              <a:t>of project</a:t>
             </a:r>
             <a:endParaRPr lang="en-SG" dirty="0"/>
           </a:p>
@@ -3249,10 +3261,9 @@
           <a:lstStyle/>
           <a:p>
             <a:r>
-              <a:rPr lang="en-US" smtClean="0"/>
+              <a:rPr lang="en-US"/>
               <a:t>This is a change!</a:t>
             </a:r>
-            <a:endParaRPr lang="en-US"/>
           </a:p>
         </p:txBody>
       </p:sp>

--- a/Software Engineering Presentation V1.pptx
+++ b/Software Engineering Presentation V1.pptx
@@ -3133,13 +3133,18 @@
           <a:p>
             <a:r>
               <a:rPr lang="en-SG" dirty="0"/>
-              <a:t>Task 2: Reformat the date</a:t>
-            </a:r>
+              <a:t>Task 2: Reformat the date in </a:t>
+            </a:r>
+            <a:r>
+              <a:rPr lang="en-SG"/>
+              <a:t>the excel</a:t>
+            </a:r>
+            <a:endParaRPr lang="en-SG" dirty="0"/>
           </a:p>
           <a:p>
             <a:r>
               <a:rPr lang="en-SG" dirty="0"/>
-              <a:t>Task 3: Horizontal Axis amount of tweets and vertical axis time. Graphical display  </a:t>
+              <a:t>Task 3: Horizontal Axis amount of tweets and vertical axis time. Graphical display</a:t>
             </a:r>
           </a:p>
         </p:txBody>
